--- a/images/news/news_3/KakeiTaisei.pptx
+++ b/images/news/news_3/KakeiTaisei.pptx
@@ -105,6 +105,11 @@
       </a:defRPr>
     </a:lvl9pPr>
   </p:defaultTextStyle>
+  <p:extLst>
+    <p:ext uri="{EFAFB233-063F-42B5-8137-9DF3F51BA10A}">
+      <p15:sldGuideLst xmlns:p15="http://schemas.microsoft.com/office/powerpoint/2012/main"/>
+    </p:ext>
+  </p:extLst>
 </p:presentation>
 </file>
 
@@ -255,7 +260,7 @@
           <a:p>
             <a:fld id="{08B7A090-5247-46D1-BC33-5A7FAAF51ED4}" type="datetimeFigureOut">
               <a:rPr kumimoji="1" lang="ja-JP" altLang="en-US" smtClean="0"/>
-              <a:t>2024/9/18</a:t>
+              <a:t>2024/9/29</a:t>
             </a:fld>
             <a:endParaRPr kumimoji="1" lang="ja-JP" altLang="en-US"/>
           </a:p>
@@ -485,7 +490,7 @@
           <a:p>
             <a:fld id="{08B7A090-5247-46D1-BC33-5A7FAAF51ED4}" type="datetimeFigureOut">
               <a:rPr kumimoji="1" lang="ja-JP" altLang="en-US" smtClean="0"/>
-              <a:t>2024/9/18</a:t>
+              <a:t>2024/9/29</a:t>
             </a:fld>
             <a:endParaRPr kumimoji="1" lang="ja-JP" altLang="en-US"/>
           </a:p>
@@ -725,7 +730,7 @@
           <a:p>
             <a:fld id="{08B7A090-5247-46D1-BC33-5A7FAAF51ED4}" type="datetimeFigureOut">
               <a:rPr kumimoji="1" lang="ja-JP" altLang="en-US" smtClean="0"/>
-              <a:t>2024/9/18</a:t>
+              <a:t>2024/9/29</a:t>
             </a:fld>
             <a:endParaRPr kumimoji="1" lang="ja-JP" altLang="en-US"/>
           </a:p>
@@ -955,7 +960,7 @@
           <a:p>
             <a:fld id="{08B7A090-5247-46D1-BC33-5A7FAAF51ED4}" type="datetimeFigureOut">
               <a:rPr kumimoji="1" lang="ja-JP" altLang="en-US" smtClean="0"/>
-              <a:t>2024/9/18</a:t>
+              <a:t>2024/9/29</a:t>
             </a:fld>
             <a:endParaRPr kumimoji="1" lang="ja-JP" altLang="en-US"/>
           </a:p>
@@ -1230,7 +1235,7 @@
           <a:p>
             <a:fld id="{08B7A090-5247-46D1-BC33-5A7FAAF51ED4}" type="datetimeFigureOut">
               <a:rPr kumimoji="1" lang="ja-JP" altLang="en-US" smtClean="0"/>
-              <a:t>2024/9/18</a:t>
+              <a:t>2024/9/29</a:t>
             </a:fld>
             <a:endParaRPr kumimoji="1" lang="ja-JP" altLang="en-US"/>
           </a:p>
@@ -1559,7 +1564,7 @@
           <a:p>
             <a:fld id="{08B7A090-5247-46D1-BC33-5A7FAAF51ED4}" type="datetimeFigureOut">
               <a:rPr kumimoji="1" lang="ja-JP" altLang="en-US" smtClean="0"/>
-              <a:t>2024/9/18</a:t>
+              <a:t>2024/9/29</a:t>
             </a:fld>
             <a:endParaRPr kumimoji="1" lang="ja-JP" altLang="en-US"/>
           </a:p>
@@ -2035,7 +2040,7 @@
           <a:p>
             <a:fld id="{08B7A090-5247-46D1-BC33-5A7FAAF51ED4}" type="datetimeFigureOut">
               <a:rPr kumimoji="1" lang="ja-JP" altLang="en-US" smtClean="0"/>
-              <a:t>2024/9/18</a:t>
+              <a:t>2024/9/29</a:t>
             </a:fld>
             <a:endParaRPr kumimoji="1" lang="ja-JP" altLang="en-US"/>
           </a:p>
@@ -2176,7 +2181,7 @@
           <a:p>
             <a:fld id="{08B7A090-5247-46D1-BC33-5A7FAAF51ED4}" type="datetimeFigureOut">
               <a:rPr kumimoji="1" lang="ja-JP" altLang="en-US" smtClean="0"/>
-              <a:t>2024/9/18</a:t>
+              <a:t>2024/9/29</a:t>
             </a:fld>
             <a:endParaRPr kumimoji="1" lang="ja-JP" altLang="en-US"/>
           </a:p>
@@ -2289,7 +2294,7 @@
           <a:p>
             <a:fld id="{08B7A090-5247-46D1-BC33-5A7FAAF51ED4}" type="datetimeFigureOut">
               <a:rPr kumimoji="1" lang="ja-JP" altLang="en-US" smtClean="0"/>
-              <a:t>2024/9/18</a:t>
+              <a:t>2024/9/29</a:t>
             </a:fld>
             <a:endParaRPr kumimoji="1" lang="ja-JP" altLang="en-US"/>
           </a:p>
@@ -2632,7 +2637,7 @@
           <a:p>
             <a:fld id="{08B7A090-5247-46D1-BC33-5A7FAAF51ED4}" type="datetimeFigureOut">
               <a:rPr kumimoji="1" lang="ja-JP" altLang="en-US" smtClean="0"/>
-              <a:t>2024/9/18</a:t>
+              <a:t>2024/9/29</a:t>
             </a:fld>
             <a:endParaRPr kumimoji="1" lang="ja-JP" altLang="en-US"/>
           </a:p>
@@ -2920,7 +2925,7 @@
           <a:p>
             <a:fld id="{08B7A090-5247-46D1-BC33-5A7FAAF51ED4}" type="datetimeFigureOut">
               <a:rPr kumimoji="1" lang="ja-JP" altLang="en-US" smtClean="0"/>
-              <a:t>2024/9/18</a:t>
+              <a:t>2024/9/29</a:t>
             </a:fld>
             <a:endParaRPr kumimoji="1" lang="ja-JP" altLang="en-US"/>
           </a:p>
@@ -3193,7 +3198,7 @@
           <a:p>
             <a:fld id="{08B7A090-5247-46D1-BC33-5A7FAAF51ED4}" type="datetimeFigureOut">
               <a:rPr kumimoji="1" lang="ja-JP" altLang="en-US" smtClean="0"/>
-              <a:t>2024/9/18</a:t>
+              <a:t>2024/9/29</a:t>
             </a:fld>
             <a:endParaRPr kumimoji="1" lang="ja-JP" altLang="en-US"/>
           </a:p>
@@ -3705,9 +3710,9 @@
         <p:grpSpPr>
           <a:xfrm>
             <a:off x="243838" y="1508385"/>
-            <a:ext cx="11704323" cy="4508655"/>
+            <a:ext cx="11537145" cy="4508655"/>
             <a:chOff x="487677" y="1508385"/>
-            <a:chExt cx="11704323" cy="4508655"/>
+            <a:chExt cx="11537145" cy="4508655"/>
           </a:xfrm>
         </p:grpSpPr>
         <p:sp>
@@ -3765,22 +3770,37 @@
             <a:p>
               <a:pPr algn="ctr"/>
               <a:r>
-                <a:rPr kumimoji="1" lang="ja-JP" altLang="en-US" b="1" dirty="0"/>
+                <a:rPr kumimoji="1" lang="ja-JP" altLang="en-US" b="1" dirty="0">
+                  <a:latin typeface="Meiryo UI" panose="020B0604030504040204" pitchFamily="50" charset="-128"/>
+                  <a:ea typeface="Meiryo UI" panose="020B0604030504040204" pitchFamily="50" charset="-128"/>
+                </a:rPr>
                 <a:t>お小遣い制</a:t>
               </a:r>
               <a:r>
-                <a:rPr kumimoji="1" lang="en-US" altLang="ja-JP" b="1" dirty="0"/>
+                <a:rPr kumimoji="1" lang="en-US" altLang="ja-JP" b="1" dirty="0">
+                  <a:latin typeface="Meiryo UI" panose="020B0604030504040204" pitchFamily="50" charset="-128"/>
+                  <a:ea typeface="Meiryo UI" panose="020B0604030504040204" pitchFamily="50" charset="-128"/>
+                </a:rPr>
                 <a:t>(</a:t>
               </a:r>
               <a:r>
-                <a:rPr kumimoji="1" lang="ja-JP" altLang="en-US" b="1" dirty="0"/>
+                <a:rPr kumimoji="1" lang="ja-JP" altLang="en-US" b="1" dirty="0">
+                  <a:latin typeface="Meiryo UI" panose="020B0604030504040204" pitchFamily="50" charset="-128"/>
+                  <a:ea typeface="Meiryo UI" panose="020B0604030504040204" pitchFamily="50" charset="-128"/>
+                </a:rPr>
                 <a:t>共同財布</a:t>
               </a:r>
               <a:r>
-                <a:rPr kumimoji="1" lang="en-US" altLang="ja-JP" b="1" dirty="0"/>
+                <a:rPr kumimoji="1" lang="en-US" altLang="ja-JP" b="1" dirty="0">
+                  <a:latin typeface="Meiryo UI" panose="020B0604030504040204" pitchFamily="50" charset="-128"/>
+                  <a:ea typeface="Meiryo UI" panose="020B0604030504040204" pitchFamily="50" charset="-128"/>
+                </a:rPr>
                 <a:t>)</a:t>
               </a:r>
-              <a:endParaRPr kumimoji="1" lang="ja-JP" altLang="en-US" b="1" dirty="0"/>
+              <a:endParaRPr kumimoji="1" lang="ja-JP" altLang="en-US" b="1" dirty="0">
+                <a:latin typeface="Meiryo UI" panose="020B0604030504040204" pitchFamily="50" charset="-128"/>
+                <a:ea typeface="Meiryo UI" panose="020B0604030504040204" pitchFamily="50" charset="-128"/>
+              </a:endParaRPr>
             </a:p>
           </p:txBody>
         </p:sp>
@@ -3839,15 +3859,24 @@
             <a:p>
               <a:pPr algn="ctr"/>
               <a:r>
-                <a:rPr kumimoji="1" lang="ja-JP" altLang="en-US" b="1" dirty="0"/>
+                <a:rPr kumimoji="1" lang="ja-JP" altLang="en-US" b="1" dirty="0">
+                  <a:latin typeface="Meiryo UI" panose="020B0604030504040204" pitchFamily="50" charset="-128"/>
+                  <a:ea typeface="Meiryo UI" panose="020B0604030504040204" pitchFamily="50" charset="-128"/>
+                </a:rPr>
                 <a:t>個別の財布</a:t>
               </a:r>
               <a:r>
-                <a:rPr kumimoji="1" lang="en-US" altLang="ja-JP" b="1" dirty="0"/>
+                <a:rPr kumimoji="1" lang="en-US" altLang="ja-JP" b="1" dirty="0">
+                  <a:latin typeface="Meiryo UI" panose="020B0604030504040204" pitchFamily="50" charset="-128"/>
+                  <a:ea typeface="Meiryo UI" panose="020B0604030504040204" pitchFamily="50" charset="-128"/>
+                </a:rPr>
                 <a:t>+</a:t>
               </a:r>
               <a:r>
-                <a:rPr kumimoji="1" lang="ja-JP" altLang="en-US" b="1" dirty="0"/>
+                <a:rPr kumimoji="1" lang="ja-JP" altLang="en-US" b="1" dirty="0">
+                  <a:latin typeface="Meiryo UI" panose="020B0604030504040204" pitchFamily="50" charset="-128"/>
+                  <a:ea typeface="Meiryo UI" panose="020B0604030504040204" pitchFamily="50" charset="-128"/>
+                </a:rPr>
                 <a:t>共同財布</a:t>
               </a:r>
             </a:p>
@@ -3908,7 +3937,10 @@
             <a:p>
               <a:pPr algn="ctr"/>
               <a:r>
-                <a:rPr kumimoji="1" lang="ja-JP" altLang="en-US" b="1" dirty="0"/>
+                <a:rPr kumimoji="1" lang="ja-JP" altLang="en-US" b="1" dirty="0">
+                  <a:latin typeface="Meiryo UI" panose="020B0604030504040204" pitchFamily="50" charset="-128"/>
+                  <a:ea typeface="Meiryo UI" panose="020B0604030504040204" pitchFamily="50" charset="-128"/>
+                </a:rPr>
                 <a:t>完全個別財布制</a:t>
               </a:r>
             </a:p>
@@ -3975,6 +4007,9 @@
                   <a:solidFill>
                     <a:schemeClr val="tx1"/>
                   </a:solidFill>
+                  <a:latin typeface="Meiryo UI" panose="020B0604030504040204" pitchFamily="50" charset="-128"/>
+                  <a:ea typeface="Meiryo UI" panose="020B0604030504040204" pitchFamily="50" charset="-128"/>
+                  <a:cs typeface="Malgun Gothic Semilight" panose="020B0502040204020203" pitchFamily="50" charset="-128"/>
                 </a:rPr>
                 <a:t>財布を一方が管理し、もう一方に固定額を定期的に支給する体制</a:t>
               </a:r>
@@ -4042,6 +4077,8 @@
                   <a:solidFill>
                     <a:schemeClr val="tx1"/>
                   </a:solidFill>
+                  <a:latin typeface="Meiryo UI" panose="020B0604030504040204" pitchFamily="50" charset="-128"/>
+                  <a:ea typeface="Meiryo UI" panose="020B0604030504040204" pitchFamily="50" charset="-128"/>
                 </a:rPr>
                 <a:t>財布を別々に管理したうえで、共同財布を持ち固定額を定期的に入金する体制</a:t>
               </a:r>
@@ -4109,6 +4146,8 @@
                   <a:solidFill>
                     <a:schemeClr val="tx1"/>
                   </a:solidFill>
+                  <a:latin typeface="Meiryo UI" panose="020B0604030504040204" pitchFamily="50" charset="-128"/>
+                  <a:ea typeface="Meiryo UI" panose="020B0604030504040204" pitchFamily="50" charset="-128"/>
                 </a:rPr>
                 <a:t>財布を別々に管理する体制</a:t>
               </a:r>
@@ -4901,8 +4940,8 @@
           </p:nvSpPr>
           <p:spPr>
             <a:xfrm>
-              <a:off x="10506113" y="1508385"/>
-              <a:ext cx="1685887" cy="646331"/>
+              <a:off x="10646709" y="1508385"/>
+              <a:ext cx="1378113" cy="646331"/>
             </a:xfrm>
             <a:prstGeom prst="rect">
               <a:avLst/>
@@ -4920,6 +4959,8 @@
                   <a:solidFill>
                     <a:schemeClr val="tx1"/>
                   </a:solidFill>
+                  <a:latin typeface="Meiryo UI" panose="020B0604030504040204" pitchFamily="50" charset="-128"/>
+                  <a:ea typeface="Meiryo UI" panose="020B0604030504040204" pitchFamily="50" charset="-128"/>
                 </a:rPr>
                 <a:t>ストレス</a:t>
               </a:r>
@@ -4928,6 +4969,8 @@
                   <a:solidFill>
                     <a:srgbClr val="C00000"/>
                   </a:solidFill>
+                  <a:latin typeface="Meiryo UI" panose="020B0604030504040204" pitchFamily="50" charset="-128"/>
+                  <a:ea typeface="Meiryo UI" panose="020B0604030504040204" pitchFamily="50" charset="-128"/>
                 </a:rPr>
                 <a:t>大</a:t>
               </a:r>
@@ -4936,6 +4979,8 @@
                   <a:solidFill>
                     <a:schemeClr val="tx1"/>
                   </a:solidFill>
+                  <a:latin typeface="Meiryo UI" panose="020B0604030504040204" pitchFamily="50" charset="-128"/>
+                  <a:ea typeface="Meiryo UI" panose="020B0604030504040204" pitchFamily="50" charset="-128"/>
                 </a:rPr>
               </a:br>
               <a:r>
@@ -4943,6 +4988,8 @@
                   <a:solidFill>
                     <a:schemeClr val="tx1"/>
                   </a:solidFill>
+                  <a:latin typeface="Meiryo UI" panose="020B0604030504040204" pitchFamily="50" charset="-128"/>
+                  <a:ea typeface="Meiryo UI" panose="020B0604030504040204" pitchFamily="50" charset="-128"/>
                 </a:rPr>
                 <a:t>貯まり</a:t>
               </a:r>
@@ -4951,6 +4998,8 @@
                   <a:solidFill>
                     <a:schemeClr val="accent5"/>
                   </a:solidFill>
+                  <a:latin typeface="Meiryo UI" panose="020B0604030504040204" pitchFamily="50" charset="-128"/>
+                  <a:ea typeface="Meiryo UI" panose="020B0604030504040204" pitchFamily="50" charset="-128"/>
                 </a:rPr>
                 <a:t>易い</a:t>
               </a:r>
@@ -4958,6 +5007,8 @@
                 <a:solidFill>
                   <a:schemeClr val="accent5"/>
                 </a:solidFill>
+                <a:latin typeface="Meiryo UI" panose="020B0604030504040204" pitchFamily="50" charset="-128"/>
+                <a:ea typeface="Meiryo UI" panose="020B0604030504040204" pitchFamily="50" charset="-128"/>
               </a:endParaRPr>
             </a:p>
           </p:txBody>
@@ -4976,8 +5027,8 @@
           </p:nvSpPr>
           <p:spPr>
             <a:xfrm>
-              <a:off x="10506113" y="5234413"/>
-              <a:ext cx="1685887" cy="646331"/>
+              <a:off x="10646709" y="5234413"/>
+              <a:ext cx="1242283" cy="646331"/>
             </a:xfrm>
             <a:prstGeom prst="rect">
               <a:avLst/>
@@ -4995,6 +5046,8 @@
                   <a:solidFill>
                     <a:schemeClr val="tx1"/>
                   </a:solidFill>
+                  <a:latin typeface="Meiryo UI" panose="020B0604030504040204" pitchFamily="50" charset="-128"/>
+                  <a:ea typeface="Meiryo UI" panose="020B0604030504040204" pitchFamily="50" charset="-128"/>
                 </a:rPr>
                 <a:t>ストレス</a:t>
               </a:r>
@@ -5003,6 +5056,8 @@
                   <a:solidFill>
                     <a:schemeClr val="accent5"/>
                   </a:solidFill>
+                  <a:latin typeface="Meiryo UI" panose="020B0604030504040204" pitchFamily="50" charset="-128"/>
+                  <a:ea typeface="Meiryo UI" panose="020B0604030504040204" pitchFamily="50" charset="-128"/>
                 </a:rPr>
                 <a:t>小</a:t>
               </a:r>
@@ -5011,6 +5066,8 @@
                   <a:solidFill>
                     <a:schemeClr val="tx1"/>
                   </a:solidFill>
+                  <a:latin typeface="Meiryo UI" panose="020B0604030504040204" pitchFamily="50" charset="-128"/>
+                  <a:ea typeface="Meiryo UI" panose="020B0604030504040204" pitchFamily="50" charset="-128"/>
                 </a:rPr>
               </a:br>
               <a:r>
@@ -5018,6 +5075,8 @@
                   <a:solidFill>
                     <a:schemeClr val="tx1"/>
                   </a:solidFill>
+                  <a:latin typeface="Meiryo UI" panose="020B0604030504040204" pitchFamily="50" charset="-128"/>
+                  <a:ea typeface="Meiryo UI" panose="020B0604030504040204" pitchFamily="50" charset="-128"/>
                 </a:rPr>
                 <a:t>貯まり</a:t>
               </a:r>
@@ -5026,6 +5085,8 @@
                   <a:solidFill>
                     <a:srgbClr val="C00000"/>
                   </a:solidFill>
+                  <a:latin typeface="Meiryo UI" panose="020B0604030504040204" pitchFamily="50" charset="-128"/>
+                  <a:ea typeface="Meiryo UI" panose="020B0604030504040204" pitchFamily="50" charset="-128"/>
                 </a:rPr>
                 <a:t>難い</a:t>
               </a:r>
@@ -5033,6 +5094,8 @@
                 <a:solidFill>
                   <a:srgbClr val="C00000"/>
                 </a:solidFill>
+                <a:latin typeface="Meiryo UI" panose="020B0604030504040204" pitchFamily="50" charset="-128"/>
+                <a:ea typeface="Meiryo UI" panose="020B0604030504040204" pitchFamily="50" charset="-128"/>
               </a:endParaRPr>
             </a:p>
           </p:txBody>
